--- a/Lead Score Case Study Presentation.pptx
+++ b/Lead Score Case Study Presentation.pptx
@@ -131,6 +131,9 @@
           </p14:sldIdLst>
         </p14:section>
       </p14:sectionLst>
+    </p:ext>
+    <p:ext uri="{EFAFB233-063F-42B5-8137-9DF3F51BA10A}">
+      <p15:sldGuideLst xmlns:p15="http://schemas.microsoft.com/office/powerpoint/2012/main"/>
     </p:ext>
   </p:extLst>
 </p:presentation>
@@ -3835,7 +3838,7 @@
         <p:spPr/>
         <p:txBody>
           <a:bodyPr>
-            <a:normAutofit/>
+            <a:normAutofit fontScale="92500" lnSpcReduction="10000"/>
           </a:bodyPr>
           <a:lstStyle/>
           <a:p>
@@ -3863,6 +3866,19 @@
             <a:r>
               <a:rPr lang="en-US" dirty="0" err="1"/>
               <a:t>kumar</a:t>
+            </a:r>
+            <a:endParaRPr lang="en-US" dirty="0"/>
+          </a:p>
+          <a:p>
+            <a:pPr algn="r"/>
+            <a:r>
+              <a:rPr lang="en-US" i="0" dirty="0">
+                <a:solidFill>
+                  <a:srgbClr val="222222"/>
+                </a:solidFill>
+                <a:effectLst/>
+              </a:rPr>
+              <a:t>Vaishnavi Kura</a:t>
             </a:r>
             <a:endParaRPr lang="en-US" dirty="0"/>
           </a:p>
